--- a/ExposicionApuestasDB.pptx
+++ b/ExposicionApuestasDB.pptx
@@ -8,8 +8,9 @@
     <p:sldId id="256" r:id="rId2"/>
     <p:sldId id="257" r:id="rId3"/>
     <p:sldId id="258" r:id="rId4"/>
-    <p:sldId id="259" r:id="rId5"/>
-    <p:sldId id="260" r:id="rId6"/>
+    <p:sldId id="261" r:id="rId5"/>
+    <p:sldId id="259" r:id="rId6"/>
+    <p:sldId id="260" r:id="rId7"/>
   </p:sldIdLst>
   <p:sldSz cx="12192000" cy="6858000"/>
   <p:notesSz cx="6858000" cy="9144000"/>
@@ -108,6 +109,11 @@
       </a:defRPr>
     </a:lvl9pPr>
   </p:defaultTextStyle>
+  <p:extLst>
+    <p:ext uri="{EFAFB233-063F-42B5-8137-9DF3F51BA10A}">
+      <p15:sldGuideLst xmlns:p15="http://schemas.microsoft.com/office/powerpoint/2012/main"/>
+    </p:ext>
+  </p:extLst>
 </p:presentation>
 </file>
 
@@ -285,7 +291,7 @@
             <a:fld id="{87DE6118-2437-4B30-8E3C-4D2BE6020583}" type="datetimeFigureOut">
               <a:rPr lang="en-US" dirty="0"/>
               <a:pPr/>
-              <a:t>10/16/2019</a:t>
+              <a:t>10/22/2019</a:t>
             </a:fld>
             <a:endParaRPr lang="en-US" dirty="0"/>
           </a:p>
@@ -611,7 +617,7 @@
           <a:p>
             <a:fld id="{87DE6118-2437-4B30-8E3C-4D2BE6020583}" type="datetimeFigureOut">
               <a:rPr lang="en-US" dirty="0"/>
-              <a:t>10/16/2019</a:t>
+              <a:t>10/22/2019</a:t>
             </a:fld>
             <a:endParaRPr lang="en-US" dirty="0"/>
           </a:p>
@@ -786,7 +792,7 @@
           <a:p>
             <a:fld id="{87DE6118-2437-4B30-8E3C-4D2BE6020583}" type="datetimeFigureOut">
               <a:rPr lang="en-US" dirty="0"/>
-              <a:t>10/16/2019</a:t>
+              <a:t>10/22/2019</a:t>
             </a:fld>
             <a:endParaRPr lang="en-US" dirty="0"/>
           </a:p>
@@ -951,7 +957,7 @@
           <a:p>
             <a:fld id="{87DE6118-2437-4B30-8E3C-4D2BE6020583}" type="datetimeFigureOut">
               <a:rPr lang="en-US" dirty="0"/>
-              <a:t>10/16/2019</a:t>
+              <a:t>10/22/2019</a:t>
             </a:fld>
             <a:endParaRPr lang="en-US" dirty="0"/>
           </a:p>
@@ -1224,7 +1230,7 @@
             <a:fld id="{87DE6118-2437-4B30-8E3C-4D2BE6020583}" type="datetimeFigureOut">
               <a:rPr lang="en-US" dirty="0"/>
               <a:pPr/>
-              <a:t>10/16/2019</a:t>
+              <a:t>10/22/2019</a:t>
             </a:fld>
             <a:endParaRPr lang="en-US" dirty="0"/>
           </a:p>
@@ -1614,7 +1620,7 @@
           <a:p>
             <a:fld id="{87DE6118-2437-4B30-8E3C-4D2BE6020583}" type="datetimeFigureOut">
               <a:rPr lang="en-US" dirty="0"/>
-              <a:t>10/16/2019</a:t>
+              <a:t>10/22/2019</a:t>
             </a:fld>
             <a:endParaRPr lang="en-US" dirty="0"/>
           </a:p>
@@ -2086,7 +2092,7 @@
           <a:p>
             <a:fld id="{87DE6118-2437-4B30-8E3C-4D2BE6020583}" type="datetimeFigureOut">
               <a:rPr lang="en-US" dirty="0"/>
-              <a:t>10/16/2019</a:t>
+              <a:t>10/22/2019</a:t>
             </a:fld>
             <a:endParaRPr lang="en-US" dirty="0"/>
           </a:p>
@@ -2199,7 +2205,7 @@
           <a:p>
             <a:fld id="{87DE6118-2437-4B30-8E3C-4D2BE6020583}" type="datetimeFigureOut">
               <a:rPr lang="en-US" dirty="0"/>
-              <a:t>10/16/2019</a:t>
+              <a:t>10/22/2019</a:t>
             </a:fld>
             <a:endParaRPr lang="en-US" dirty="0"/>
           </a:p>
@@ -2289,7 +2295,7 @@
           <a:p>
             <a:fld id="{87DE6118-2437-4B30-8E3C-4D2BE6020583}" type="datetimeFigureOut">
               <a:rPr lang="en-US" dirty="0"/>
-              <a:t>10/16/2019</a:t>
+              <a:t>10/22/2019</a:t>
             </a:fld>
             <a:endParaRPr lang="en-US" dirty="0"/>
           </a:p>
@@ -2631,7 +2637,7 @@
             <a:fld id="{87DE6118-2437-4B30-8E3C-4D2BE6020583}" type="datetimeFigureOut">
               <a:rPr lang="en-US" dirty="0"/>
               <a:pPr/>
-              <a:t>10/16/2019</a:t>
+              <a:t>10/22/2019</a:t>
             </a:fld>
             <a:endParaRPr lang="en-US" dirty="0"/>
           </a:p>
@@ -3016,7 +3022,7 @@
             <a:fld id="{87DE6118-2437-4B30-8E3C-4D2BE6020583}" type="datetimeFigureOut">
               <a:rPr lang="en-US" dirty="0"/>
               <a:pPr/>
-              <a:t>10/16/2019</a:t>
+              <a:t>10/22/2019</a:t>
             </a:fld>
             <a:endParaRPr lang="en-US" dirty="0"/>
           </a:p>
@@ -3291,7 +3297,7 @@
             <a:fld id="{87DE6118-2437-4B30-8E3C-4D2BE6020583}" type="datetimeFigureOut">
               <a:rPr lang="en-US" dirty="0"/>
               <a:pPr/>
-              <a:t>10/16/2019</a:t>
+              <a:t>10/22/2019</a:t>
             </a:fld>
             <a:endParaRPr lang="en-US" dirty="0"/>
           </a:p>
@@ -4025,50 +4031,117 @@
         </p:nvSpPr>
         <p:spPr/>
         <p:txBody>
-          <a:bodyPr/>
+          <a:bodyPr>
+            <a:normAutofit fontScale="92500" lnSpcReduction="20000"/>
+          </a:bodyPr>
           <a:lstStyle/>
           <a:p>
             <a:r>
               <a:rPr lang="es-ES" dirty="0" smtClean="0"/>
-              <a:t>Controlar si el período de apuestas está abierto</a:t>
-            </a:r>
-          </a:p>
-          <a:p>
+              <a:t>Controlar si el período de apuestas está </a:t>
+            </a:r>
             <a:r>
               <a:rPr lang="es-ES" dirty="0" smtClean="0"/>
-              <a:t>Controlar si las apuestas son ganadoras o no</a:t>
-            </a:r>
-          </a:p>
-          <a:p>
+              <a:t>abierto -&gt;</a:t>
+            </a:r>
+          </a:p>
+          <a:p>
+            <a:pPr lvl="1"/>
             <a:r>
               <a:rPr lang="es-ES" dirty="0" smtClean="0"/>
-              <a:t>Actualizar los saldos de los usuarios al ganar (sumar) y al realizar una apuesta (restar)</a:t>
-            </a:r>
-          </a:p>
-          <a:p>
+              <a:t>Tenemos un campo en la tabla Partidos que indica si el período está abierto o no (</a:t>
+            </a:r>
+            <a:r>
+              <a:rPr lang="es-ES" dirty="0" err="1" smtClean="0"/>
+              <a:t>isAbierto</a:t>
+            </a:r>
             <a:r>
               <a:rPr lang="es-ES" dirty="0" smtClean="0"/>
-              <a:t>Controlar que los usuarios no puedan apostar más de lo que tienen</a:t>
-            </a:r>
+              <a:t>)</a:t>
+            </a:r>
+            <a:endParaRPr lang="es-ES" dirty="0" smtClean="0"/>
           </a:p>
           <a:p>
             <a:r>
               <a:rPr lang="es-ES" dirty="0" smtClean="0"/>
-              <a:t>Ingresar o sacar dinero de la cuenta del usuario</a:t>
-            </a:r>
-          </a:p>
-          <a:p>
+              <a:t>Controlar si las apuestas son ganadoras o </a:t>
+            </a:r>
             <a:r>
               <a:rPr lang="es-ES" dirty="0" smtClean="0"/>
-              <a:t>Controlar que las apuestas no puedan ser modificadas ni eliminadas</a:t>
-            </a:r>
-          </a:p>
-          <a:p>
+              <a:t>no -&gt;</a:t>
+            </a:r>
+          </a:p>
+          <a:p>
+            <a:pPr lvl="1"/>
             <a:r>
               <a:rPr lang="es-ES" dirty="0" smtClean="0"/>
-              <a:t>Controlar el máximo de apuestas para los partidos según el tipo</a:t>
-            </a:r>
-            <a:endParaRPr lang="es-ES" dirty="0"/>
+              <a:t>Tenemos un campo en la tabla Apuestas que indica si la apuesta es ganadora o no (</a:t>
+            </a:r>
+            <a:r>
+              <a:rPr lang="es-ES" dirty="0" err="1" smtClean="0"/>
+              <a:t>isGanadora</a:t>
+            </a:r>
+            <a:r>
+              <a:rPr lang="es-ES" dirty="0" smtClean="0"/>
+              <a:t>).</a:t>
+            </a:r>
+          </a:p>
+          <a:p>
+            <a:pPr lvl="1"/>
+            <a:r>
+              <a:rPr lang="es-ES" dirty="0" smtClean="0"/>
+              <a:t>Tenemos un </a:t>
+            </a:r>
+            <a:r>
+              <a:rPr lang="es-ES" dirty="0" err="1" smtClean="0"/>
+              <a:t>trigger</a:t>
+            </a:r>
+            <a:r>
+              <a:rPr lang="es-ES" dirty="0" smtClean="0"/>
+              <a:t> que se encarga de realizar las comprobaciones y actualizar ese campo</a:t>
+            </a:r>
+            <a:endParaRPr lang="es-ES" dirty="0" smtClean="0"/>
+          </a:p>
+          <a:p>
+            <a:r>
+              <a:rPr lang="es-ES" dirty="0" smtClean="0"/>
+              <a:t>Actualizar los saldos de los usuarios al ganar (sumar) y al realizar una apuesta (restar</a:t>
+            </a:r>
+            <a:r>
+              <a:rPr lang="es-ES" dirty="0" smtClean="0"/>
+              <a:t>) -&gt;</a:t>
+            </a:r>
+          </a:p>
+          <a:p>
+            <a:pPr lvl="1"/>
+            <a:r>
+              <a:rPr lang="es-ES" dirty="0" err="1" smtClean="0"/>
+              <a:t>Trigger</a:t>
+            </a:r>
+            <a:r>
+              <a:rPr lang="es-ES" dirty="0" smtClean="0"/>
+              <a:t> que resta inmediatamente el saldo tras realizar una apuesta</a:t>
+            </a:r>
+          </a:p>
+          <a:p>
+            <a:pPr lvl="1"/>
+            <a:r>
+              <a:rPr lang="es-ES" dirty="0" err="1" smtClean="0"/>
+              <a:t>Trigger</a:t>
+            </a:r>
+            <a:r>
+              <a:rPr lang="es-ES" dirty="0" smtClean="0"/>
+              <a:t> </a:t>
+            </a:r>
+            <a:r>
+              <a:rPr lang="es-ES" dirty="0" err="1" smtClean="0"/>
+              <a:t>esGanador</a:t>
+            </a:r>
+            <a:r>
+              <a:rPr lang="es-ES" dirty="0" smtClean="0"/>
+              <a:t> para comprobar si un usuario ha ganado alguna apuesta y se le actualiza el saldo</a:t>
+            </a:r>
+            <a:endParaRPr lang="es-ES" dirty="0" smtClean="0"/>
           </a:p>
         </p:txBody>
       </p:sp>
@@ -4093,6 +4166,172 @@
 </file>
 
 <file path=ppt/slides/slide4.xml><?xml version="1.0" encoding="utf-8"?>
+<p:sld xmlns:a="http://schemas.openxmlformats.org/drawingml/2006/main" xmlns:r="http://schemas.openxmlformats.org/officeDocument/2006/relationships" xmlns:p="http://schemas.openxmlformats.org/presentationml/2006/main">
+  <p:cSld>
+    <p:spTree>
+      <p:nvGrpSpPr>
+        <p:cNvPr id="1" name=""/>
+        <p:cNvGrpSpPr/>
+        <p:nvPr/>
+      </p:nvGrpSpPr>
+      <p:grpSpPr>
+        <a:xfrm>
+          <a:off x="0" y="0"/>
+          <a:ext cx="0" cy="0"/>
+          <a:chOff x="0" y="0"/>
+          <a:chExt cx="0" cy="0"/>
+        </a:xfrm>
+      </p:grpSpPr>
+      <p:sp>
+        <p:nvSpPr>
+          <p:cNvPr id="2" name="Título 1"/>
+          <p:cNvSpPr>
+            <a:spLocks noGrp="1"/>
+          </p:cNvSpPr>
+          <p:nvPr>
+            <p:ph type="title"/>
+          </p:nvPr>
+        </p:nvSpPr>
+        <p:spPr/>
+        <p:txBody>
+          <a:bodyPr/>
+          <a:lstStyle/>
+          <a:p>
+            <a:r>
+              <a:rPr lang="es-ES" dirty="0" smtClean="0"/>
+              <a:t>Análisis de funcionalidades necesarias II</a:t>
+            </a:r>
+            <a:endParaRPr lang="es-ES" dirty="0"/>
+          </a:p>
+        </p:txBody>
+      </p:sp>
+      <p:sp>
+        <p:nvSpPr>
+          <p:cNvPr id="3" name="Marcador de contenido 2"/>
+          <p:cNvSpPr>
+            <a:spLocks noGrp="1"/>
+          </p:cNvSpPr>
+          <p:nvPr>
+            <p:ph idx="1"/>
+          </p:nvPr>
+        </p:nvSpPr>
+        <p:spPr/>
+        <p:txBody>
+          <a:bodyPr>
+            <a:normAutofit lnSpcReduction="10000"/>
+          </a:bodyPr>
+          <a:lstStyle/>
+          <a:p>
+            <a:r>
+              <a:rPr lang="es-ES" dirty="0"/>
+              <a:t>Controlar que los usuarios no puedan apostar más de lo que tienen -&gt;</a:t>
+            </a:r>
+          </a:p>
+          <a:p>
+            <a:pPr lvl="1"/>
+            <a:r>
+              <a:rPr lang="es-ES" dirty="0" err="1"/>
+              <a:t>Trigger</a:t>
+            </a:r>
+            <a:r>
+              <a:rPr lang="es-ES" dirty="0"/>
+              <a:t> </a:t>
+            </a:r>
+            <a:r>
+              <a:rPr lang="es-ES" dirty="0" err="1"/>
+              <a:t>noApuestesMasDeLoQueTienes</a:t>
+            </a:r>
+            <a:endParaRPr lang="es-ES" dirty="0"/>
+          </a:p>
+          <a:p>
+            <a:r>
+              <a:rPr lang="es-ES" dirty="0"/>
+              <a:t>Ingresar o sacar dinero de la cuenta del usuario -&gt;</a:t>
+            </a:r>
+          </a:p>
+          <a:p>
+            <a:pPr lvl="1"/>
+            <a:r>
+              <a:rPr lang="es-ES" dirty="0"/>
+              <a:t>Procedimientos para sacar o introducir saldo en la cuenta del usuario y </a:t>
+            </a:r>
+            <a:r>
+              <a:rPr lang="es-ES" dirty="0" err="1"/>
+              <a:t>trigger</a:t>
+            </a:r>
+            <a:r>
+              <a:rPr lang="es-ES" dirty="0"/>
+              <a:t> que automáticamente actualiza la tabla Cuentas</a:t>
+            </a:r>
+          </a:p>
+          <a:p>
+            <a:r>
+              <a:rPr lang="es-ES" dirty="0"/>
+              <a:t>Controlar que las apuestas no puedan ser modificadas ni eliminadas -&gt;</a:t>
+            </a:r>
+          </a:p>
+          <a:p>
+            <a:pPr lvl="1"/>
+            <a:r>
+              <a:rPr lang="es-ES" dirty="0" err="1"/>
+              <a:t>Trigger</a:t>
+            </a:r>
+            <a:r>
+              <a:rPr lang="es-ES" dirty="0"/>
+              <a:t> para que no permita modificar la tabla Apuestas, menos si es para cambiar el campo de </a:t>
+            </a:r>
+            <a:r>
+              <a:rPr lang="es-ES" dirty="0" err="1"/>
+              <a:t>IsGanadora</a:t>
+            </a:r>
+            <a:endParaRPr lang="es-ES" dirty="0"/>
+          </a:p>
+          <a:p>
+            <a:r>
+              <a:rPr lang="es-ES" dirty="0"/>
+              <a:t>Controlar el máximo de apuestas para los partidos según el tipo -&gt;</a:t>
+            </a:r>
+          </a:p>
+          <a:p>
+            <a:pPr lvl="1"/>
+            <a:r>
+              <a:rPr lang="es-ES" dirty="0" err="1" smtClean="0"/>
+              <a:t>Trigger</a:t>
+            </a:r>
+            <a:r>
+              <a:rPr lang="es-ES" dirty="0" smtClean="0"/>
+              <a:t> </a:t>
+            </a:r>
+            <a:r>
+              <a:rPr lang="es-ES" dirty="0" err="1" smtClean="0"/>
+              <a:t>comprobarSiSeHaAlcanzadoElMaximo</a:t>
+            </a:r>
+            <a:r>
+              <a:rPr lang="es-ES" dirty="0" smtClean="0"/>
+              <a:t> </a:t>
+            </a:r>
+            <a:endParaRPr lang="es-ES" dirty="0"/>
+          </a:p>
+          <a:p>
+            <a:pPr lvl="1"/>
+            <a:endParaRPr lang="es-ES" dirty="0"/>
+          </a:p>
+        </p:txBody>
+      </p:sp>
+    </p:spTree>
+    <p:extLst>
+      <p:ext uri="{BB962C8B-B14F-4D97-AF65-F5344CB8AC3E}">
+        <p14:creationId xmlns:p14="http://schemas.microsoft.com/office/powerpoint/2010/main" val="252679079"/>
+      </p:ext>
+    </p:extLst>
+  </p:cSld>
+  <p:clrMapOvr>
+    <a:masterClrMapping/>
+  </p:clrMapOvr>
+</p:sld>
+</file>
+
+<file path=ppt/slides/slide5.xml><?xml version="1.0" encoding="utf-8"?>
 <p:sld xmlns:a="http://schemas.openxmlformats.org/drawingml/2006/main" xmlns:r="http://schemas.openxmlformats.org/officeDocument/2006/relationships" xmlns:p="http://schemas.openxmlformats.org/presentationml/2006/main">
   <p:cSld>
     <p:spTree>
@@ -4181,7 +4420,7 @@
 </p:sld>
 </file>
 
-<file path=ppt/slides/slide5.xml><?xml version="1.0" encoding="utf-8"?>
+<file path=ppt/slides/slide6.xml><?xml version="1.0" encoding="utf-8"?>
 <p:sld xmlns:a="http://schemas.openxmlformats.org/drawingml/2006/main" xmlns:r="http://schemas.openxmlformats.org/officeDocument/2006/relationships" xmlns:p="http://schemas.openxmlformats.org/presentationml/2006/main">
   <p:cSld>
     <p:spTree>
